--- a/doc/Presentation_group4.pptx
+++ b/doc/Presentation_group4.pptx
@@ -7600,7 +7600,7 @@
           <p:nvPr>
             <p:extLst>
               <p:ext uri="{D42A27DB-BD31-4B8C-83A1-F6EECF244321}">
-                <p14:modId xmlns:p14="http://schemas.microsoft.com/office/powerpoint/2010/main" val="4192596992"/>
+                <p14:modId xmlns:p14="http://schemas.microsoft.com/office/powerpoint/2010/main" val="710325770"/>
               </p:ext>
             </p:extLst>
           </p:nvPr>
@@ -8040,7 +8040,7 @@
                       <a:r>
                         <a:rPr lang="en-US" sz="2400" u="none" strike="noStrike" dirty="0">
                           <a:solidFill>
-                            <a:srgbClr val="FF0000"/>
+                            <a:srgbClr val="00B050"/>
                           </a:solidFill>
                           <a:effectLst/>
                         </a:rPr>
@@ -8048,7 +8048,7 @@
                       </a:r>
                       <a:endParaRPr lang="en-US" sz="2400" b="0" i="0" u="none" strike="noStrike" dirty="0">
                         <a:solidFill>
-                          <a:srgbClr val="FF0000"/>
+                          <a:srgbClr val="00B050"/>
                         </a:solidFill>
                         <a:effectLst/>
                         <a:latin typeface="Calibri" panose="020F0502020204030204" pitchFamily="34" charset="0"/>
@@ -8283,7 +8283,7 @@
                       <a:r>
                         <a:rPr lang="en-US" sz="2400" u="none" strike="noStrike" dirty="0">
                           <a:solidFill>
-                            <a:srgbClr val="00B050"/>
+                            <a:srgbClr val="FF0000"/>
                           </a:solidFill>
                           <a:effectLst/>
                         </a:rPr>
@@ -8291,7 +8291,7 @@
                       </a:r>
                       <a:endParaRPr lang="en-US" sz="2400" b="0" i="0" u="none" strike="noStrike" dirty="0">
                         <a:solidFill>
-                          <a:srgbClr val="00B050"/>
+                          <a:srgbClr val="FF0000"/>
                         </a:solidFill>
                         <a:effectLst/>
                         <a:latin typeface="Calibri" panose="020F0502020204030204" pitchFamily="34" charset="0"/>

--- a/doc/Presentation_group4.pptx
+++ b/doc/Presentation_group4.pptx
@@ -7893,12 +7893,12 @@
                     <a:p>
                       <a:pPr algn="ctr" fontAlgn="ctr"/>
                       <a:r>
-                        <a:rPr lang="en-US" sz="2400" u="none" strike="noStrike">
+                        <a:rPr lang="en-US" sz="2400" u="none" strike="noStrike" dirty="0">
                           <a:effectLst/>
                         </a:rPr>
                         <a:t>0.05</a:t>
                       </a:r>
-                      <a:endParaRPr lang="en-US" sz="2400" b="1" i="0" u="none" strike="noStrike">
+                      <a:endParaRPr lang="en-US" sz="2400" b="1" i="0" u="none" strike="noStrike" dirty="0">
                         <a:solidFill>
                           <a:srgbClr val="000000"/>
                         </a:solidFill>
@@ -8578,66 +8578,6 @@
           <a:chExt cx="0" cy="0"/>
         </a:xfrm>
       </p:grpSpPr>
-      <p:pic>
-        <p:nvPicPr>
-          <p:cNvPr id="32769" name="图片 23">
-            <a:extLst>
-              <a:ext uri="{FF2B5EF4-FFF2-40B4-BE49-F238E27FC236}">
-                <a16:creationId xmlns:a16="http://schemas.microsoft.com/office/drawing/2014/main" id="{19FCC5BA-733C-491A-8959-B3426E57152B}"/>
-              </a:ext>
-            </a:extLst>
-          </p:cNvPr>
-          <p:cNvPicPr>
-            <a:picLocks noChangeAspect="1" noChangeArrowheads="1"/>
-          </p:cNvPicPr>
-          <p:nvPr/>
-        </p:nvPicPr>
-        <p:blipFill>
-          <a:blip r:embed="rId3">
-            <a:extLst>
-              <a:ext uri="{28A0092B-C50C-407E-A947-70E740481C1C}">
-                <a14:useLocalDpi xmlns:a14="http://schemas.microsoft.com/office/drawing/2010/main" val="0"/>
-              </a:ext>
-            </a:extLst>
-          </a:blip>
-          <a:srcRect l="44563" b="66241"/>
-          <a:stretch>
-            <a:fillRect/>
-          </a:stretch>
-        </p:blipFill>
-        <p:spPr bwMode="auto">
-          <a:xfrm>
-            <a:off x="1" y="3484034"/>
-            <a:ext cx="6610351" cy="3373967"/>
-          </a:xfrm>
-          <a:prstGeom prst="rect">
-            <a:avLst/>
-          </a:prstGeom>
-          <a:noFill/>
-          <a:ln>
-            <a:noFill/>
-          </a:ln>
-          <a:extLst>
-            <a:ext uri="{909E8E84-426E-40DD-AFC4-6F175D3DCCD1}">
-              <a14:hiddenFill xmlns:a14="http://schemas.microsoft.com/office/drawing/2010/main">
-                <a:solidFill>
-                  <a:srgbClr val="FFFFFF"/>
-                </a:solidFill>
-              </a14:hiddenFill>
-            </a:ext>
-            <a:ext uri="{91240B29-F687-4F45-9708-019B960494DF}">
-              <a14:hiddenLine xmlns:a14="http://schemas.microsoft.com/office/drawing/2010/main" w="9525">
-                <a:solidFill>
-                  <a:srgbClr val="000000"/>
-                </a:solidFill>
-                <a:miter lim="800000"/>
-                <a:headEnd/>
-                <a:tailEnd/>
-              </a14:hiddenLine>
-            </a:ext>
-          </a:extLst>
-        </p:spPr>
-      </p:pic>
       <p:sp>
         <p:nvSpPr>
           <p:cNvPr id="25" name="圆角矩形 24">
@@ -11130,103 +11070,13 @@
                       </p:stCondLst>
                       <p:childTnLst>
                         <p:par>
-                          <p:cTn id="4" fill="hold" nodeType="withGroup">
+                          <p:cTn id="4" fill="hold" nodeType="afterGroup">
                             <p:stCondLst>
                               <p:cond delay="0"/>
                             </p:stCondLst>
                             <p:childTnLst>
                               <p:par>
-                                <p:cTn id="5" presetID="42" presetClass="entr" presetSubtype="0" fill="hold" nodeType="afterEffect">
-                                  <p:stCondLst>
-                                    <p:cond delay="0"/>
-                                  </p:stCondLst>
-                                  <p:childTnLst>
-                                    <p:set>
-                                      <p:cBhvr>
-                                        <p:cTn id="6" dur="1" fill="hold">
-                                          <p:stCondLst>
-                                            <p:cond delay="0"/>
-                                          </p:stCondLst>
-                                        </p:cTn>
-                                        <p:tgtEl>
-                                          <p:spTgt spid="32769"/>
-                                        </p:tgtEl>
-                                        <p:attrNameLst>
-                                          <p:attrName>style.visibility</p:attrName>
-                                        </p:attrNameLst>
-                                      </p:cBhvr>
-                                      <p:to>
-                                        <p:strVal val="visible"/>
-                                      </p:to>
-                                    </p:set>
-                                    <p:animEffect transition="in" filter="fade">
-                                      <p:cBhvr>
-                                        <p:cTn id="7" dur="1000"/>
-                                        <p:tgtEl>
-                                          <p:spTgt spid="32769"/>
-                                        </p:tgtEl>
-                                      </p:cBhvr>
-                                    </p:animEffect>
-                                    <p:anim calcmode="lin" valueType="num">
-                                      <p:cBhvr>
-                                        <p:cTn id="8" dur="1000" fill="hold"/>
-                                        <p:tgtEl>
-                                          <p:spTgt spid="32769"/>
-                                        </p:tgtEl>
-                                        <p:attrNameLst>
-                                          <p:attrName>ppt_x</p:attrName>
-                                        </p:attrNameLst>
-                                      </p:cBhvr>
-                                      <p:tavLst>
-                                        <p:tav tm="0">
-                                          <p:val>
-                                            <p:strVal val="#ppt_x"/>
-                                          </p:val>
-                                        </p:tav>
-                                        <p:tav tm="100000">
-                                          <p:val>
-                                            <p:strVal val="#ppt_x"/>
-                                          </p:val>
-                                        </p:tav>
-                                      </p:tavLst>
-                                    </p:anim>
-                                    <p:anim calcmode="lin" valueType="num">
-                                      <p:cBhvr>
-                                        <p:cTn id="9" dur="1000" fill="hold"/>
-                                        <p:tgtEl>
-                                          <p:spTgt spid="32769"/>
-                                        </p:tgtEl>
-                                        <p:attrNameLst>
-                                          <p:attrName>ppt_y</p:attrName>
-                                        </p:attrNameLst>
-                                      </p:cBhvr>
-                                      <p:tavLst>
-                                        <p:tav tm="0">
-                                          <p:val>
-                                            <p:strVal val="#ppt_y+.1"/>
-                                          </p:val>
-                                        </p:tav>
-                                        <p:tav tm="100000">
-                                          <p:val>
-                                            <p:strVal val="#ppt_y"/>
-                                          </p:val>
-                                        </p:tav>
-                                      </p:tavLst>
-                                    </p:anim>
-                                  </p:childTnLst>
-                                </p:cTn>
-                              </p:par>
-                            </p:childTnLst>
-                          </p:cTn>
-                        </p:par>
-                        <p:par>
-                          <p:cTn id="10" fill="hold" nodeType="afterGroup">
-                            <p:stCondLst>
-                              <p:cond delay="1000"/>
-                            </p:stCondLst>
-                            <p:childTnLst>
-                              <p:par>
-                                <p:cTn id="11" presetID="17" presetClass="entr" presetSubtype="1" fill="hold" grpId="0" nodeType="afterEffect">
+                                <p:cTn id="5" presetID="17" presetClass="entr" presetSubtype="1" fill="hold" grpId="0" nodeType="afterEffect">
                                   <p:stCondLst>
                                     <p:cond delay="0"/>
                                   </p:stCondLst>
@@ -11236,7 +11086,7 @@
                                   <p:childTnLst>
                                     <p:set>
                                       <p:cBhvr>
-                                        <p:cTn id="12" dur="1" fill="hold">
+                                        <p:cTn id="6" dur="1" fill="hold">
                                           <p:stCondLst>
                                             <p:cond delay="0"/>
                                           </p:stCondLst>
@@ -11254,7 +11104,7 @@
                                     </p:set>
                                     <p:anim calcmode="lin" valueType="num">
                                       <p:cBhvr>
-                                        <p:cTn id="13" dur="250" fill="hold"/>
+                                        <p:cTn id="7" dur="250" fill="hold"/>
                                         <p:tgtEl>
                                           <p:spTgt spid="68"/>
                                         </p:tgtEl>
@@ -11277,7 +11127,7 @@
                                     </p:anim>
                                     <p:anim calcmode="lin" valueType="num">
                                       <p:cBhvr>
-                                        <p:cTn id="14" dur="250" fill="hold"/>
+                                        <p:cTn id="8" dur="250" fill="hold"/>
                                         <p:tgtEl>
                                           <p:spTgt spid="68"/>
                                         </p:tgtEl>
@@ -11300,7 +11150,7 @@
                                     </p:anim>
                                     <p:anim calcmode="lin" valueType="num">
                                       <p:cBhvr>
-                                        <p:cTn id="15" dur="250" fill="hold"/>
+                                        <p:cTn id="9" dur="250" fill="hold"/>
                                         <p:tgtEl>
                                           <p:spTgt spid="68"/>
                                         </p:tgtEl>
@@ -11323,7 +11173,7 @@
                                     </p:anim>
                                     <p:anim calcmode="lin" valueType="num">
                                       <p:cBhvr>
-                                        <p:cTn id="16" dur="250" fill="hold"/>
+                                        <p:cTn id="10" dur="250" fill="hold"/>
                                         <p:tgtEl>
                                           <p:spTgt spid="68"/>
                                         </p:tgtEl>
@@ -11351,20 +11201,20 @@
                           </p:cTn>
                         </p:par>
                         <p:par>
-                          <p:cTn id="17" fill="hold" nodeType="afterGroup">
+                          <p:cTn id="11" fill="hold" nodeType="afterGroup">
                             <p:stCondLst>
-                              <p:cond delay="1950"/>
+                              <p:cond delay="950"/>
                             </p:stCondLst>
                             <p:childTnLst>
                               <p:par>
-                                <p:cTn id="18" presetID="10" presetClass="entr" presetSubtype="0" fill="hold" grpId="0" nodeType="afterEffect">
+                                <p:cTn id="12" presetID="10" presetClass="entr" presetSubtype="0" fill="hold" grpId="0" nodeType="afterEffect">
                                   <p:stCondLst>
                                     <p:cond delay="0"/>
                                   </p:stCondLst>
                                   <p:childTnLst>
                                     <p:set>
                                       <p:cBhvr>
-                                        <p:cTn id="19" dur="1" fill="hold">
+                                        <p:cTn id="13" dur="1" fill="hold">
                                           <p:stCondLst>
                                             <p:cond delay="0"/>
                                           </p:stCondLst>
@@ -11382,7 +11232,7 @@
                                     </p:set>
                                     <p:animEffect transition="in" filter="fade">
                                       <p:cBhvr>
-                                        <p:cTn id="20" dur="1000"/>
+                                        <p:cTn id="14" dur="1000"/>
                                         <p:tgtEl>
                                           <p:spTgt spid="25"/>
                                         </p:tgtEl>
@@ -11392,14 +11242,14 @@
                                 </p:cTn>
                               </p:par>
                               <p:par>
-                                <p:cTn id="21" presetID="56" presetClass="path" presetSubtype="0" accel="50000" decel="50000" fill="hold" grpId="1" nodeType="withEffect">
+                                <p:cTn id="15" presetID="56" presetClass="path" presetSubtype="0" accel="50000" decel="50000" fill="hold" grpId="1" nodeType="withEffect">
                                   <p:stCondLst>
                                     <p:cond delay="0"/>
                                   </p:stCondLst>
                                   <p:childTnLst>
                                     <p:animMotion origin="layout" path="M -0.03737 0.04121 L -6.25E-7 -3.33333E-6 " pathEditMode="relative" rAng="0" ptsTypes="AA">
                                       <p:cBhvr>
-                                        <p:cTn id="22" dur="700" fill="hold"/>
+                                        <p:cTn id="16" dur="700" fill="hold"/>
                                         <p:tgtEl>
                                           <p:spTgt spid="25"/>
                                         </p:tgtEl>
@@ -11413,14 +11263,14 @@
                                 </p:cTn>
                               </p:par>
                               <p:par>
-                                <p:cTn id="23" presetID="22" presetClass="entr" presetSubtype="8" fill="hold" nodeType="withEffect">
+                                <p:cTn id="17" presetID="22" presetClass="entr" presetSubtype="8" fill="hold" nodeType="withEffect">
                                   <p:stCondLst>
                                     <p:cond delay="250"/>
                                   </p:stCondLst>
                                   <p:childTnLst>
                                     <p:set>
                                       <p:cBhvr>
-                                        <p:cTn id="24" dur="1" fill="hold">
+                                        <p:cTn id="18" dur="1" fill="hold">
                                           <p:stCondLst>
                                             <p:cond delay="0"/>
                                           </p:stCondLst>
@@ -11438,7 +11288,7 @@
                                     </p:set>
                                     <p:animEffect transition="in" filter="wipe(left)">
                                       <p:cBhvr>
-                                        <p:cTn id="25" dur="500"/>
+                                        <p:cTn id="19" dur="500"/>
                                         <p:tgtEl>
                                           <p:spTgt spid="26"/>
                                         </p:tgtEl>
@@ -11448,14 +11298,14 @@
                                 </p:cTn>
                               </p:par>
                               <p:par>
-                                <p:cTn id="26" presetID="10" presetClass="entr" presetSubtype="0" fill="hold" grpId="0" nodeType="withEffect">
+                                <p:cTn id="20" presetID="10" presetClass="entr" presetSubtype="0" fill="hold" grpId="0" nodeType="withEffect">
                                   <p:stCondLst>
                                     <p:cond delay="250"/>
                                   </p:stCondLst>
                                   <p:childTnLst>
                                     <p:set>
                                       <p:cBhvr>
-                                        <p:cTn id="27" dur="1" fill="hold">
+                                        <p:cTn id="21" dur="1" fill="hold">
                                           <p:stCondLst>
                                             <p:cond delay="0"/>
                                           </p:stCondLst>
@@ -11473,7 +11323,7 @@
                                     </p:set>
                                     <p:animEffect transition="in" filter="fade">
                                       <p:cBhvr>
-                                        <p:cTn id="28" dur="1000"/>
+                                        <p:cTn id="22" dur="1000"/>
                                         <p:tgtEl>
                                           <p:spTgt spid="29"/>
                                         </p:tgtEl>
@@ -11483,14 +11333,14 @@
                                 </p:cTn>
                               </p:par>
                               <p:par>
-                                <p:cTn id="29" presetID="56" presetClass="path" presetSubtype="0" accel="50000" decel="50000" fill="hold" grpId="1" nodeType="withEffect">
+                                <p:cTn id="23" presetID="56" presetClass="path" presetSubtype="0" accel="50000" decel="50000" fill="hold" grpId="1" nodeType="withEffect">
                                   <p:stCondLst>
                                     <p:cond delay="250"/>
                                   </p:stCondLst>
                                   <p:childTnLst>
                                     <p:animMotion origin="layout" path="M -0.03737 0.0412 L -6.25E-7 2.96296E-6 " pathEditMode="relative" rAng="0" ptsTypes="AA">
                                       <p:cBhvr>
-                                        <p:cTn id="30" dur="700" fill="hold"/>
+                                        <p:cTn id="24" dur="700" fill="hold"/>
                                         <p:tgtEl>
                                           <p:spTgt spid="29"/>
                                         </p:tgtEl>
@@ -11504,14 +11354,14 @@
                                 </p:cTn>
                               </p:par>
                               <p:par>
-                                <p:cTn id="31" presetID="22" presetClass="entr" presetSubtype="8" fill="hold" nodeType="withEffect">
+                                <p:cTn id="25" presetID="22" presetClass="entr" presetSubtype="8" fill="hold" nodeType="withEffect">
                                   <p:stCondLst>
                                     <p:cond delay="500"/>
                                   </p:stCondLst>
                                   <p:childTnLst>
                                     <p:set>
                                       <p:cBhvr>
-                                        <p:cTn id="32" dur="1" fill="hold">
+                                        <p:cTn id="26" dur="1" fill="hold">
                                           <p:stCondLst>
                                             <p:cond delay="0"/>
                                           </p:stCondLst>
@@ -11529,7 +11379,7 @@
                                     </p:set>
                                     <p:animEffect transition="in" filter="wipe(left)">
                                       <p:cBhvr>
-                                        <p:cTn id="33" dur="500"/>
+                                        <p:cTn id="27" dur="500"/>
                                         <p:tgtEl>
                                           <p:spTgt spid="30"/>
                                         </p:tgtEl>
@@ -11539,14 +11389,14 @@
                                 </p:cTn>
                               </p:par>
                               <p:par>
-                                <p:cTn id="34" presetID="10" presetClass="entr" presetSubtype="0" fill="hold" grpId="0" nodeType="withEffect">
+                                <p:cTn id="28" presetID="10" presetClass="entr" presetSubtype="0" fill="hold" grpId="0" nodeType="withEffect">
                                   <p:stCondLst>
                                     <p:cond delay="500"/>
                                   </p:stCondLst>
                                   <p:childTnLst>
                                     <p:set>
                                       <p:cBhvr>
-                                        <p:cTn id="35" dur="1" fill="hold">
+                                        <p:cTn id="29" dur="1" fill="hold">
                                           <p:stCondLst>
                                             <p:cond delay="0"/>
                                           </p:stCondLst>
@@ -11564,7 +11414,7 @@
                                     </p:set>
                                     <p:animEffect transition="in" filter="fade">
                                       <p:cBhvr>
-                                        <p:cTn id="36" dur="1000"/>
+                                        <p:cTn id="30" dur="1000"/>
                                         <p:tgtEl>
                                           <p:spTgt spid="36"/>
                                         </p:tgtEl>
@@ -11574,14 +11424,14 @@
                                 </p:cTn>
                               </p:par>
                               <p:par>
-                                <p:cTn id="37" presetID="56" presetClass="path" presetSubtype="0" accel="50000" decel="50000" fill="hold" grpId="1" nodeType="withEffect">
+                                <p:cTn id="31" presetID="56" presetClass="path" presetSubtype="0" accel="50000" decel="50000" fill="hold" grpId="1" nodeType="withEffect">
                                   <p:stCondLst>
                                     <p:cond delay="500"/>
                                   </p:stCondLst>
                                   <p:childTnLst>
                                     <p:animMotion origin="layout" path="M -0.03737 0.0412 L -6.25E-7 -7.40741E-7 " pathEditMode="relative" rAng="0" ptsTypes="AA">
                                       <p:cBhvr>
-                                        <p:cTn id="38" dur="700" fill="hold"/>
+                                        <p:cTn id="32" dur="700" fill="hold"/>
                                         <p:tgtEl>
                                           <p:spTgt spid="36"/>
                                         </p:tgtEl>
@@ -11595,14 +11445,14 @@
                                 </p:cTn>
                               </p:par>
                               <p:par>
-                                <p:cTn id="39" presetID="22" presetClass="entr" presetSubtype="8" fill="hold" nodeType="withEffect">
+                                <p:cTn id="33" presetID="22" presetClass="entr" presetSubtype="8" fill="hold" nodeType="withEffect">
                                   <p:stCondLst>
                                     <p:cond delay="750"/>
                                   </p:stCondLst>
                                   <p:childTnLst>
                                     <p:set>
                                       <p:cBhvr>
-                                        <p:cTn id="40" dur="1" fill="hold">
+                                        <p:cTn id="34" dur="1" fill="hold">
                                           <p:stCondLst>
                                             <p:cond delay="0"/>
                                           </p:stCondLst>
@@ -11620,7 +11470,7 @@
                                     </p:set>
                                     <p:animEffect transition="in" filter="wipe(left)">
                                       <p:cBhvr>
-                                        <p:cTn id="41" dur="500"/>
+                                        <p:cTn id="35" dur="500"/>
                                         <p:tgtEl>
                                           <p:spTgt spid="37"/>
                                         </p:tgtEl>
@@ -11630,14 +11480,14 @@
                                 </p:cTn>
                               </p:par>
                               <p:par>
-                                <p:cTn id="42" presetID="10" presetClass="entr" presetSubtype="0" fill="hold" grpId="0" nodeType="withEffect">
+                                <p:cTn id="36" presetID="10" presetClass="entr" presetSubtype="0" fill="hold" grpId="0" nodeType="withEffect">
                                   <p:stCondLst>
                                     <p:cond delay="750"/>
                                   </p:stCondLst>
                                   <p:childTnLst>
                                     <p:set>
                                       <p:cBhvr>
-                                        <p:cTn id="43" dur="1" fill="hold">
+                                        <p:cTn id="37" dur="1" fill="hold">
                                           <p:stCondLst>
                                             <p:cond delay="0"/>
                                           </p:stCondLst>
@@ -11655,7 +11505,7 @@
                                     </p:set>
                                     <p:animEffect transition="in" filter="fade">
                                       <p:cBhvr>
-                                        <p:cTn id="44" dur="1000"/>
+                                        <p:cTn id="38" dur="1000"/>
                                         <p:tgtEl>
                                           <p:spTgt spid="40"/>
                                         </p:tgtEl>
@@ -11665,14 +11515,14 @@
                                 </p:cTn>
                               </p:par>
                               <p:par>
-                                <p:cTn id="45" presetID="56" presetClass="path" presetSubtype="0" accel="50000" decel="50000" fill="hold" grpId="1" nodeType="withEffect">
+                                <p:cTn id="39" presetID="56" presetClass="path" presetSubtype="0" accel="50000" decel="50000" fill="hold" grpId="1" nodeType="withEffect">
                                   <p:stCondLst>
                                     <p:cond delay="750"/>
                                   </p:stCondLst>
                                   <p:childTnLst>
                                     <p:animMotion origin="layout" path="M -0.03737 0.04121 L -6.25E-7 -4.44444E-6 " pathEditMode="relative" rAng="0" ptsTypes="AA">
                                       <p:cBhvr>
-                                        <p:cTn id="46" dur="700" fill="hold"/>
+                                        <p:cTn id="40" dur="700" fill="hold"/>
                                         <p:tgtEl>
                                           <p:spTgt spid="40"/>
                                         </p:tgtEl>
@@ -11686,14 +11536,14 @@
                                 </p:cTn>
                               </p:par>
                               <p:par>
-                                <p:cTn id="47" presetID="22" presetClass="entr" presetSubtype="8" fill="hold" nodeType="withEffect">
+                                <p:cTn id="41" presetID="22" presetClass="entr" presetSubtype="8" fill="hold" nodeType="withEffect">
                                   <p:stCondLst>
                                     <p:cond delay="1000"/>
                                   </p:stCondLst>
                                   <p:childTnLst>
                                     <p:set>
                                       <p:cBhvr>
-                                        <p:cTn id="48" dur="1" fill="hold">
+                                        <p:cTn id="42" dur="1" fill="hold">
                                           <p:stCondLst>
                                             <p:cond delay="0"/>
                                           </p:stCondLst>
@@ -11711,7 +11561,7 @@
                                     </p:set>
                                     <p:animEffect transition="in" filter="wipe(left)">
                                       <p:cBhvr>
-                                        <p:cTn id="49" dur="500"/>
+                                        <p:cTn id="43" dur="500"/>
                                         <p:tgtEl>
                                           <p:spTgt spid="41"/>
                                         </p:tgtEl>
@@ -11721,14 +11571,14 @@
                                 </p:cTn>
                               </p:par>
                               <p:par>
-                                <p:cTn id="50" presetID="10" presetClass="entr" presetSubtype="0" fill="hold" grpId="0" nodeType="withEffect">
+                                <p:cTn id="44" presetID="10" presetClass="entr" presetSubtype="0" fill="hold" grpId="0" nodeType="withEffect">
                                   <p:stCondLst>
                                     <p:cond delay="750"/>
                                   </p:stCondLst>
                                   <p:childTnLst>
                                     <p:set>
                                       <p:cBhvr>
-                                        <p:cTn id="51" dur="1" fill="hold">
+                                        <p:cTn id="45" dur="1" fill="hold">
                                           <p:stCondLst>
                                             <p:cond delay="0"/>
                                           </p:stCondLst>
@@ -11746,7 +11596,7 @@
                                     </p:set>
                                     <p:animEffect transition="in" filter="fade">
                                       <p:cBhvr>
-                                        <p:cTn id="52" dur="1000"/>
+                                        <p:cTn id="46" dur="1000"/>
                                         <p:tgtEl>
                                           <p:spTgt spid="48"/>
                                         </p:tgtEl>
@@ -11756,14 +11606,14 @@
                                 </p:cTn>
                               </p:par>
                               <p:par>
-                                <p:cTn id="53" presetID="56" presetClass="path" presetSubtype="0" accel="50000" decel="50000" fill="hold" grpId="1" nodeType="withEffect">
+                                <p:cTn id="47" presetID="56" presetClass="path" presetSubtype="0" accel="50000" decel="50000" fill="hold" grpId="1" nodeType="withEffect">
                                   <p:stCondLst>
                                     <p:cond delay="750"/>
                                   </p:stCondLst>
                                   <p:childTnLst>
                                     <p:animMotion origin="layout" path="M -0.03737 0.04121 L -6.25E-7 -4.44444E-6 " pathEditMode="relative" rAng="0" ptsTypes="AA">
                                       <p:cBhvr>
-                                        <p:cTn id="54" dur="700" fill="hold"/>
+                                        <p:cTn id="48" dur="700" fill="hold"/>
                                         <p:tgtEl>
                                           <p:spTgt spid="48"/>
                                         </p:tgtEl>
@@ -11777,14 +11627,14 @@
                                 </p:cTn>
                               </p:par>
                               <p:par>
-                                <p:cTn id="55" presetID="22" presetClass="entr" presetSubtype="8" fill="hold" nodeType="withEffect">
+                                <p:cTn id="49" presetID="22" presetClass="entr" presetSubtype="8" fill="hold" nodeType="withEffect">
                                   <p:stCondLst>
                                     <p:cond delay="1250"/>
                                   </p:stCondLst>
                                   <p:childTnLst>
                                     <p:set>
                                       <p:cBhvr>
-                                        <p:cTn id="56" dur="1" fill="hold">
+                                        <p:cTn id="50" dur="1" fill="hold">
                                           <p:stCondLst>
                                             <p:cond delay="0"/>
                                           </p:stCondLst>
@@ -11802,7 +11652,7 @@
                                     </p:set>
                                     <p:animEffect transition="in" filter="wipe(left)">
                                       <p:cBhvr>
-                                        <p:cTn id="57" dur="500"/>
+                                        <p:cTn id="51" dur="500"/>
                                         <p:tgtEl>
                                           <p:spTgt spid="49"/>
                                         </p:tgtEl>
@@ -11815,20 +11665,20 @@
                           </p:cTn>
                         </p:par>
                         <p:par>
-                          <p:cTn id="58" fill="hold" nodeType="afterGroup">
+                          <p:cTn id="52" fill="hold" nodeType="afterGroup">
                             <p:stCondLst>
-                              <p:cond delay="3700"/>
+                              <p:cond delay="2700"/>
                             </p:stCondLst>
                             <p:childTnLst>
                               <p:par>
-                                <p:cTn id="59" presetID="2" presetClass="entr" presetSubtype="8" fill="hold" grpId="0" nodeType="afterEffect">
+                                <p:cTn id="53" presetID="2" presetClass="entr" presetSubtype="8" fill="hold" grpId="0" nodeType="afterEffect">
                                   <p:stCondLst>
                                     <p:cond delay="0"/>
                                   </p:stCondLst>
                                   <p:childTnLst>
                                     <p:set>
                                       <p:cBhvr>
-                                        <p:cTn id="60" dur="1" fill="hold">
+                                        <p:cTn id="54" dur="1" fill="hold">
                                           <p:stCondLst>
                                             <p:cond delay="0"/>
                                           </p:stCondLst>
@@ -11846,7 +11696,7 @@
                                     </p:set>
                                     <p:anim calcmode="lin" valueType="num">
                                       <p:cBhvr additive="base">
-                                        <p:cTn id="61" dur="500" fill="hold"/>
+                                        <p:cTn id="55" dur="500" fill="hold"/>
                                         <p:tgtEl>
                                           <p:spTgt spid="67"/>
                                         </p:tgtEl>
@@ -11869,7 +11719,7 @@
                                     </p:anim>
                                     <p:anim calcmode="lin" valueType="num">
                                       <p:cBhvr additive="base">
-                                        <p:cTn id="62" dur="500" fill="hold"/>
+                                        <p:cTn id="56" dur="500" fill="hold"/>
                                         <p:tgtEl>
                                           <p:spTgt spid="67"/>
                                         </p:tgtEl>
